--- a/Presentation Final.pptx
+++ b/Presentation Final.pptx
@@ -138,6 +138,27 @@
 </p:presentation>
 </file>
 
+<file path=ppt/changesInfos/changesInfo1.xml><?xml version="1.0" encoding="utf-8"?>
+<pc:chgInfo xmlns:a="http://schemas.openxmlformats.org/drawingml/2006/main" xmlns:r="http://schemas.openxmlformats.org/officeDocument/2006/relationships" xmlns:ac="http://schemas.microsoft.com/office/drawing/2013/main/command" xmlns:pc="http://schemas.microsoft.com/office/powerpoint/2013/main/command">
+  <pc:docChgLst>
+    <pc:chgData name="Grant Jackson" userId="7a7934364ce90193" providerId="LiveId" clId="{BF7814E7-15A9-4148-810E-FE67F3BB2720}"/>
+    <pc:docChg chg="modSld">
+      <pc:chgData name="Grant Jackson" userId="7a7934364ce90193" providerId="LiveId" clId="{BF7814E7-15A9-4148-810E-FE67F3BB2720}" dt="2021-05-08T02:21:52.779" v="4" actId="20577"/>
+      <pc:docMkLst>
+        <pc:docMk/>
+      </pc:docMkLst>
+      <pc:sldChg chg="modNotesTx">
+        <pc:chgData name="Grant Jackson" userId="7a7934364ce90193" providerId="LiveId" clId="{BF7814E7-15A9-4148-810E-FE67F3BB2720}" dt="2021-05-08T02:21:52.779" v="4" actId="20577"/>
+        <pc:sldMkLst>
+          <pc:docMk/>
+          <pc:sldMk cId="391112317" sldId="266"/>
+        </pc:sldMkLst>
+      </pc:sldChg>
+    </pc:docChg>
+  </pc:docChgLst>
+</pc:chgInfo>
+</file>
+
 <file path=ppt/handoutMasters/handoutMaster1.xml><?xml version="1.0" encoding="utf-8"?>
 <p:handoutMaster xmlns:a="http://schemas.openxmlformats.org/drawingml/2006/main" xmlns:r="http://schemas.openxmlformats.org/officeDocument/2006/relationships" xmlns:p="http://schemas.openxmlformats.org/presentationml/2006/main">
   <p:cSld>
@@ -897,9 +918,10 @@
           <a:lstStyle/>
           <a:p>
             <a:r>
-              <a:rPr lang="en-US" dirty="0"/>
-              <a:t>Grant</a:t>
-            </a:r>
+              <a:rPr lang="en-US"/>
+              <a:t>Frank</a:t>
+            </a:r>
+            <a:endParaRPr lang="en-US" dirty="0"/>
           </a:p>
         </p:txBody>
       </p:sp>
